--- a/Figures/Figure6/Fig6_PC3_LakeColor_compiled.pptx
+++ b/Figures/Figure6/Fig6_PC3_LakeColor_compiled.pptx
@@ -118,7 +118,7 @@
 <file path=ppt/revisionInfo.xml><?xml version="1.0" encoding="utf-8"?>
 <p1510:revInfo xmlns:a="http://schemas.openxmlformats.org/drawingml/2006/main" xmlns:r="http://schemas.openxmlformats.org/officeDocument/2006/relationships" xmlns:p1510="http://schemas.microsoft.com/office/powerpoint/2015/10/main">
   <p1510:revLst>
-    <p1510:client id="{3D381365-BA87-4D4B-AAAB-ECD0199E5093}" v="7" dt="2024-08-26T21:51:50.878"/>
+    <p1510:client id="{44429B7F-105C-364F-A1EA-D537ADC8AE29}" v="7" dt="2024-09-10T21:38:39.249"/>
   </p1510:revLst>
 </p1510:revInfo>
 </file>
@@ -253,6 +253,54 @@
       </pc:sldChg>
     </pc:docChg>
   </pc:docChgLst>
+  <pc:docChgLst>
+    <pc:chgData name="Jordan May Von Eggers" userId="2bcc5b33-6bd2-4559-ac12-5178b17ae4b3" providerId="ADAL" clId="{44429B7F-105C-364F-A1EA-D537ADC8AE29}"/>
+    <pc:docChg chg="undo custSel modSld">
+      <pc:chgData name="Jordan May Von Eggers" userId="2bcc5b33-6bd2-4559-ac12-5178b17ae4b3" providerId="ADAL" clId="{44429B7F-105C-364F-A1EA-D537ADC8AE29}" dt="2024-09-10T21:42:14.581" v="90" actId="121"/>
+      <pc:docMkLst>
+        <pc:docMk/>
+      </pc:docMkLst>
+      <pc:sldChg chg="modSp mod">
+        <pc:chgData name="Jordan May Von Eggers" userId="2bcc5b33-6bd2-4559-ac12-5178b17ae4b3" providerId="ADAL" clId="{44429B7F-105C-364F-A1EA-D537ADC8AE29}" dt="2024-09-10T21:42:14.581" v="90" actId="121"/>
+        <pc:sldMkLst>
+          <pc:docMk/>
+          <pc:sldMk cId="3352965152" sldId="256"/>
+        </pc:sldMkLst>
+        <pc:spChg chg="mod">
+          <ac:chgData name="Jordan May Von Eggers" userId="2bcc5b33-6bd2-4559-ac12-5178b17ae4b3" providerId="ADAL" clId="{44429B7F-105C-364F-A1EA-D537ADC8AE29}" dt="2024-09-10T21:41:58.417" v="86" actId="6549"/>
+          <ac:spMkLst>
+            <pc:docMk/>
+            <pc:sldMk cId="3352965152" sldId="256"/>
+            <ac:spMk id="6" creationId="{2E12263D-8095-6282-A027-27B558488DCB}"/>
+          </ac:spMkLst>
+        </pc:spChg>
+        <pc:spChg chg="mod">
+          <ac:chgData name="Jordan May Von Eggers" userId="2bcc5b33-6bd2-4559-ac12-5178b17ae4b3" providerId="ADAL" clId="{44429B7F-105C-364F-A1EA-D537ADC8AE29}" dt="2024-09-10T21:42:14.581" v="90" actId="121"/>
+          <ac:spMkLst>
+            <pc:docMk/>
+            <pc:sldMk cId="3352965152" sldId="256"/>
+            <ac:spMk id="23" creationId="{2741EC48-B0C1-B1B6-7B3C-47FE24BA1066}"/>
+          </ac:spMkLst>
+        </pc:spChg>
+        <pc:spChg chg="mod">
+          <ac:chgData name="Jordan May Von Eggers" userId="2bcc5b33-6bd2-4559-ac12-5178b17ae4b3" providerId="ADAL" clId="{44429B7F-105C-364F-A1EA-D537ADC8AE29}" dt="2024-09-10T21:38:55.725" v="13" actId="1035"/>
+          <ac:spMkLst>
+            <pc:docMk/>
+            <pc:sldMk cId="3352965152" sldId="256"/>
+            <ac:spMk id="24" creationId="{6BDBC920-A8F6-3EA8-1060-8E21E89BE663}"/>
+          </ac:spMkLst>
+        </pc:spChg>
+        <pc:picChg chg="mod">
+          <ac:chgData name="Jordan May Von Eggers" userId="2bcc5b33-6bd2-4559-ac12-5178b17ae4b3" providerId="ADAL" clId="{44429B7F-105C-364F-A1EA-D537ADC8AE29}" dt="2024-09-10T21:38:39.248" v="10" actId="14826"/>
+          <ac:picMkLst>
+            <pc:docMk/>
+            <pc:sldMk cId="3352965152" sldId="256"/>
+            <ac:picMk id="5" creationId="{06DA8C61-EC65-D54A-169F-875A718FD113}"/>
+          </ac:picMkLst>
+        </pc:picChg>
+      </pc:sldChg>
+    </pc:docChg>
+  </pc:docChgLst>
 </pc:chgInfo>
 </file>
 
@@ -338,7 +386,7 @@
           <a:p>
             <a:fld id="{65E4C7FA-99D3-9A47-93BF-78AE51BCC9F0}" type="datetimeFigureOut">
               <a:rPr lang="en-US" smtClean="0"/>
-              <a:t>8/26/24</a:t>
+              <a:t>9/10/24</a:t>
             </a:fld>
             <a:endParaRPr lang="en-US"/>
           </a:p>
@@ -820,7 +868,7 @@
           <a:p>
             <a:fld id="{33EBA233-06BD-3443-8B71-DAD0B94A8053}" type="datetimeFigureOut">
               <a:rPr lang="en-US" smtClean="0"/>
-              <a:t>8/26/24</a:t>
+              <a:t>9/10/24</a:t>
             </a:fld>
             <a:endParaRPr lang="en-US"/>
           </a:p>
@@ -990,7 +1038,7 @@
           <a:p>
             <a:fld id="{33EBA233-06BD-3443-8B71-DAD0B94A8053}" type="datetimeFigureOut">
               <a:rPr lang="en-US" smtClean="0"/>
-              <a:t>8/26/24</a:t>
+              <a:t>9/10/24</a:t>
             </a:fld>
             <a:endParaRPr lang="en-US"/>
           </a:p>
@@ -1170,7 +1218,7 @@
           <a:p>
             <a:fld id="{33EBA233-06BD-3443-8B71-DAD0B94A8053}" type="datetimeFigureOut">
               <a:rPr lang="en-US" smtClean="0"/>
-              <a:t>8/26/24</a:t>
+              <a:t>9/10/24</a:t>
             </a:fld>
             <a:endParaRPr lang="en-US"/>
           </a:p>
@@ -1340,7 +1388,7 @@
           <a:p>
             <a:fld id="{33EBA233-06BD-3443-8B71-DAD0B94A8053}" type="datetimeFigureOut">
               <a:rPr lang="en-US" smtClean="0"/>
-              <a:t>8/26/24</a:t>
+              <a:t>9/10/24</a:t>
             </a:fld>
             <a:endParaRPr lang="en-US"/>
           </a:p>
@@ -1586,7 +1634,7 @@
           <a:p>
             <a:fld id="{33EBA233-06BD-3443-8B71-DAD0B94A8053}" type="datetimeFigureOut">
               <a:rPr lang="en-US" smtClean="0"/>
-              <a:t>8/26/24</a:t>
+              <a:t>9/10/24</a:t>
             </a:fld>
             <a:endParaRPr lang="en-US"/>
           </a:p>
@@ -1818,7 +1866,7 @@
           <a:p>
             <a:fld id="{33EBA233-06BD-3443-8B71-DAD0B94A8053}" type="datetimeFigureOut">
               <a:rPr lang="en-US" smtClean="0"/>
-              <a:t>8/26/24</a:t>
+              <a:t>9/10/24</a:t>
             </a:fld>
             <a:endParaRPr lang="en-US"/>
           </a:p>
@@ -2185,7 +2233,7 @@
           <a:p>
             <a:fld id="{33EBA233-06BD-3443-8B71-DAD0B94A8053}" type="datetimeFigureOut">
               <a:rPr lang="en-US" smtClean="0"/>
-              <a:t>8/26/24</a:t>
+              <a:t>9/10/24</a:t>
             </a:fld>
             <a:endParaRPr lang="en-US"/>
           </a:p>
@@ -2303,7 +2351,7 @@
           <a:p>
             <a:fld id="{33EBA233-06BD-3443-8B71-DAD0B94A8053}" type="datetimeFigureOut">
               <a:rPr lang="en-US" smtClean="0"/>
-              <a:t>8/26/24</a:t>
+              <a:t>9/10/24</a:t>
             </a:fld>
             <a:endParaRPr lang="en-US"/>
           </a:p>
@@ -2398,7 +2446,7 @@
           <a:p>
             <a:fld id="{33EBA233-06BD-3443-8B71-DAD0B94A8053}" type="datetimeFigureOut">
               <a:rPr lang="en-US" smtClean="0"/>
-              <a:t>8/26/24</a:t>
+              <a:t>9/10/24</a:t>
             </a:fld>
             <a:endParaRPr lang="en-US"/>
           </a:p>
@@ -2675,7 +2723,7 @@
           <a:p>
             <a:fld id="{33EBA233-06BD-3443-8B71-DAD0B94A8053}" type="datetimeFigureOut">
               <a:rPr lang="en-US" smtClean="0"/>
-              <a:t>8/26/24</a:t>
+              <a:t>9/10/24</a:t>
             </a:fld>
             <a:endParaRPr lang="en-US"/>
           </a:p>
@@ -2932,7 +2980,7 @@
           <a:p>
             <a:fld id="{33EBA233-06BD-3443-8B71-DAD0B94A8053}" type="datetimeFigureOut">
               <a:rPr lang="en-US" smtClean="0"/>
-              <a:t>8/26/24</a:t>
+              <a:t>9/10/24</a:t>
             </a:fld>
             <a:endParaRPr lang="en-US"/>
           </a:p>
@@ -3145,7 +3193,7 @@
           <a:p>
             <a:fld id="{33EBA233-06BD-3443-8B71-DAD0B94A8053}" type="datetimeFigureOut">
               <a:rPr lang="en-US" smtClean="0"/>
-              <a:t>8/26/24</a:t>
+              <a:t>9/10/24</a:t>
             </a:fld>
             <a:endParaRPr lang="en-US"/>
           </a:p>
@@ -3601,7 +3649,7 @@
                 <a:latin typeface="Arial" panose="020B0604020202020204" pitchFamily="34" charset="0"/>
                 <a:cs typeface="Arial" panose="020B0604020202020204" pitchFamily="34" charset="0"/>
               </a:rPr>
-              <a:t>mean range of annual air temperatures</a:t>
+              <a:t>average annual air temperature range</a:t>
             </a:r>
           </a:p>
         </p:txBody>
@@ -3996,7 +4044,7 @@
                 <a:latin typeface="Arial" panose="020B0604020202020204" pitchFamily="34" charset="0"/>
                 <a:cs typeface="Arial" panose="020B0604020202020204" pitchFamily="34" charset="0"/>
               </a:rPr>
-              <a:t>mean range of annual air temperatures</a:t>
+              <a:t>average annual air temperature range</a:t>
             </a:r>
           </a:p>
         </p:txBody>
@@ -4015,7 +4063,7 @@
         </p:nvSpPr>
         <p:spPr>
           <a:xfrm rot="16200000">
-            <a:off x="-1121719" y="2064302"/>
+            <a:off x="-1121719" y="2036021"/>
             <a:ext cx="2811810" cy="369332"/>
           </a:xfrm>
           <a:prstGeom prst="rect">
@@ -4041,7 +4089,7 @@
       </p:sp>
       <p:pic>
         <p:nvPicPr>
-          <p:cNvPr id="5" name="Picture 4" descr="A graph of a number of colored dots&#10;&#10;Description automatically generated with medium confidence">
+          <p:cNvPr id="5" name="Picture 4">
             <a:extLst>
               <a:ext uri="{FF2B5EF4-FFF2-40B4-BE49-F238E27FC236}">
                 <a16:creationId xmlns:a16="http://schemas.microsoft.com/office/drawing/2014/main" id="{06DA8C61-EC65-D54A-169F-875A718FD113}"/>
@@ -4055,14 +4103,13 @@
         </p:nvPicPr>
         <p:blipFill>
           <a:blip r:embed="rId3"/>
-          <a:stretch>
-            <a:fillRect/>
-          </a:stretch>
+          <a:srcRect/>
+          <a:stretch/>
         </p:blipFill>
         <p:spPr>
           <a:xfrm>
             <a:off x="415786" y="-6156"/>
-            <a:ext cx="6944810" cy="4960579"/>
+            <a:ext cx="6944810" cy="4960578"/>
           </a:xfrm>
           <a:prstGeom prst="rect">
             <a:avLst/>
